--- a/trunk/Huy Ngo.pptx
+++ b/trunk/Huy Ngo.pptx
@@ -370,11 +370,11 @@
         </c:dLbls>
         <c:gapWidth val="219"/>
         <c:overlap val="-27"/>
-        <c:axId val="2062538928"/>
-        <c:axId val="2062549808"/>
+        <c:axId val="1732307616"/>
+        <c:axId val="1732302176"/>
       </c:barChart>
       <c:catAx>
-        <c:axId val="2062538928"/>
+        <c:axId val="1732307616"/>
         <c:scaling>
           <c:orientation val="minMax"/>
         </c:scaling>
@@ -417,7 +417,7 @@
             <a:endParaRPr lang="en-US"/>
           </a:p>
         </c:txPr>
-        <c:crossAx val="2062549808"/>
+        <c:crossAx val="1732302176"/>
         <c:crosses val="autoZero"/>
         <c:auto val="1"/>
         <c:lblAlgn val="ctr"/>
@@ -425,7 +425,7 @@
         <c:noMultiLvlLbl val="0"/>
       </c:catAx>
       <c:valAx>
-        <c:axId val="2062549808"/>
+        <c:axId val="1732302176"/>
         <c:scaling>
           <c:orientation val="minMax"/>
         </c:scaling>
@@ -476,7 +476,7 @@
             <a:endParaRPr lang="en-US"/>
           </a:p>
         </c:txPr>
-        <c:crossAx val="2062538928"/>
+        <c:crossAx val="1732307616"/>
         <c:crosses val="autoZero"/>
         <c:crossBetween val="between"/>
       </c:valAx>
@@ -1170,7 +1170,7 @@
           <a:p>
             <a:fld id="{762B48F5-BACC-47D6-A0F7-82FBF9C6BC85}" type="datetimeFigureOut">
               <a:rPr lang="en-US"/>
-              <a:t>5/28/2014</a:t>
+              <a:t>5/29/2014</a:t>
             </a:fld>
             <a:endParaRPr/>
           </a:p>
@@ -1335,7 +1335,7 @@
           <a:p>
             <a:fld id="{0CB1CD00-5424-4675-AB18-2C419B060449}" type="datetimeFigureOut">
               <a:rPr lang="en-US"/>
-              <a:t>5/28/2014</a:t>
+              <a:t>5/29/2014</a:t>
             </a:fld>
             <a:endParaRPr/>
           </a:p>
@@ -8226,7 +8226,7 @@
           <a:p>
             <a:fld id="{37CC0096-1860-4642-9CD2-0079EA5E7CD1}" type="datetimeFigureOut">
               <a:rPr lang="en-US" smtClean="0"/>
-              <a:t>5/28/2014</a:t>
+              <a:t>5/29/2014</a:t>
             </a:fld>
             <a:endParaRPr lang="en-US"/>
           </a:p>
@@ -8421,7 +8421,7 @@
           <a:p>
             <a:fld id="{37CC0096-1860-4642-9CD2-0079EA5E7CD1}" type="datetimeFigureOut">
               <a:rPr lang="en-US" smtClean="0"/>
-              <a:t>5/28/2014</a:t>
+              <a:t>5/29/2014</a:t>
             </a:fld>
             <a:endParaRPr lang="en-US"/>
           </a:p>
@@ -9332,7 +9332,7 @@
           <a:p>
             <a:fld id="{37CC0096-1860-4642-9CD2-0079EA5E7CD1}" type="datetimeFigureOut">
               <a:rPr lang="en-US" smtClean="0"/>
-              <a:t>5/28/2014</a:t>
+              <a:t>5/29/2014</a:t>
             </a:fld>
             <a:endParaRPr lang="en-US"/>
           </a:p>
@@ -9797,7 +9797,7 @@
           <a:p>
             <a:fld id="{37CC0096-1860-4642-9CD2-0079EA5E7CD1}" type="datetimeFigureOut">
               <a:rPr lang="en-US" smtClean="0"/>
-              <a:t>5/28/2014</a:t>
+              <a:t>5/29/2014</a:t>
             </a:fld>
             <a:endParaRPr lang="en-US"/>
           </a:p>
@@ -10252,7 +10252,7 @@
           <a:p>
             <a:fld id="{37CC0096-1860-4642-9CD2-0079EA5E7CD1}" type="datetimeFigureOut">
               <a:rPr lang="en-US" smtClean="0"/>
-              <a:t>5/28/2014</a:t>
+              <a:t>5/29/2014</a:t>
             </a:fld>
             <a:endParaRPr lang="en-US"/>
           </a:p>
@@ -10385,7 +10385,7 @@
           <a:p>
             <a:fld id="{37CC0096-1860-4642-9CD2-0079EA5E7CD1}" type="datetimeFigureOut">
               <a:rPr lang="en-US" smtClean="0"/>
-              <a:t>5/28/2014</a:t>
+              <a:t>5/29/2014</a:t>
             </a:fld>
             <a:endParaRPr lang="en-US"/>
           </a:p>
@@ -10495,7 +10495,7 @@
           <a:p>
             <a:fld id="{37CC0096-1860-4642-9CD2-0079EA5E7CD1}" type="datetimeFigureOut">
               <a:rPr lang="en-US" smtClean="0"/>
-              <a:t>5/28/2014</a:t>
+              <a:t>5/29/2014</a:t>
             </a:fld>
             <a:endParaRPr lang="en-US"/>
           </a:p>
@@ -10794,7 +10794,7 @@
           <a:p>
             <a:fld id="{37CC0096-1860-4642-9CD2-0079EA5E7CD1}" type="datetimeFigureOut">
               <a:rPr lang="en-US" smtClean="0"/>
-              <a:t>5/28/2014</a:t>
+              <a:t>5/29/2014</a:t>
             </a:fld>
             <a:endParaRPr lang="en-US"/>
           </a:p>
@@ -11122,7 +11122,7 @@
           <a:p>
             <a:fld id="{37CC0096-1860-4642-9CD2-0079EA5E7CD1}" type="datetimeFigureOut">
               <a:rPr lang="en-US" smtClean="0"/>
-              <a:t>5/28/2014</a:t>
+              <a:t>5/29/2014</a:t>
             </a:fld>
             <a:endParaRPr lang="en-US"/>
           </a:p>
@@ -11351,7 +11351,7 @@
             <a:fld id="{37CC0096-1860-4642-9CD2-0079EA5E7CD1}" type="datetimeFigureOut">
               <a:rPr lang="en-US"/>
               <a:pPr/>
-              <a:t>5/28/2014</a:t>
+              <a:t>5/29/2014</a:t>
             </a:fld>
             <a:endParaRPr/>
           </a:p>
@@ -11965,7 +11965,788 @@
           <a:bodyPr/>
           <a:lstStyle/>
           <a:p>
-            <a:endParaRPr lang="en-US"/>
+            <a:r>
+              <a:rPr lang="en-US" sz="3200" dirty="0" smtClean="0"/>
+              <a:t>RISK MANAGEMENT</a:t>
+            </a:r>
+            <a:endParaRPr lang="en-US" sz="3200" dirty="0"/>
+          </a:p>
+        </p:txBody>
+      </p:sp>
+      <p:cxnSp>
+        <p:nvCxnSpPr>
+          <p:cNvPr id="21" name="Straight Connector 20"/>
+          <p:cNvCxnSpPr/>
+          <p:nvPr/>
+        </p:nvCxnSpPr>
+        <p:spPr>
+          <a:xfrm>
+            <a:off x="3075673" y="3733800"/>
+            <a:ext cx="5257800" cy="0"/>
+          </a:xfrm>
+          <a:prstGeom prst="line">
+            <a:avLst/>
+          </a:prstGeom>
+          <a:ln w="38100">
+            <a:solidFill>
+              <a:srgbClr val="7030A0"/>
+            </a:solidFill>
+          </a:ln>
+        </p:spPr>
+        <p:style>
+          <a:lnRef idx="1">
+            <a:schemeClr val="accent1"/>
+          </a:lnRef>
+          <a:fillRef idx="0">
+            <a:schemeClr val="accent1"/>
+          </a:fillRef>
+          <a:effectRef idx="0">
+            <a:schemeClr val="accent1"/>
+          </a:effectRef>
+          <a:fontRef idx="minor">
+            <a:schemeClr val="tx1"/>
+          </a:fontRef>
+        </p:style>
+      </p:cxnSp>
+      <p:grpSp>
+        <p:nvGrpSpPr>
+          <p:cNvPr id="40" name="Group 39"/>
+          <p:cNvGrpSpPr/>
+          <p:nvPr/>
+        </p:nvGrpSpPr>
+        <p:grpSpPr>
+          <a:xfrm>
+            <a:off x="3075673" y="228600"/>
+            <a:ext cx="5257800" cy="6477000"/>
+            <a:chOff x="3075673" y="228600"/>
+            <a:chExt cx="5257800" cy="6477000"/>
+          </a:xfrm>
+        </p:grpSpPr>
+        <p:sp>
+          <p:nvSpPr>
+            <p:cNvPr id="12" name="TextBox 11"/>
+            <p:cNvSpPr txBox="1"/>
+            <p:nvPr/>
+          </p:nvSpPr>
+          <p:spPr>
+            <a:xfrm>
+              <a:off x="5133073" y="228600"/>
+              <a:ext cx="1600200" cy="369332"/>
+            </a:xfrm>
+            <a:prstGeom prst="rect">
+              <a:avLst/>
+            </a:prstGeom>
+            <a:noFill/>
+          </p:spPr>
+          <p:txBody>
+            <a:bodyPr wrap="square" rtlCol="0">
+              <a:spAutoFit/>
+            </a:bodyPr>
+            <a:lstStyle/>
+            <a:p>
+              <a:r>
+                <a:rPr lang="en-US" dirty="0" smtClean="0"/>
+                <a:t>4/11/2013</a:t>
+              </a:r>
+              <a:endParaRPr lang="en-US" dirty="0"/>
+            </a:p>
+          </p:txBody>
+        </p:sp>
+        <p:cxnSp>
+          <p:nvCxnSpPr>
+            <p:cNvPr id="15" name="Straight Arrow Connector 14"/>
+            <p:cNvCxnSpPr/>
+            <p:nvPr/>
+          </p:nvCxnSpPr>
+          <p:spPr>
+            <a:xfrm>
+              <a:off x="5649227" y="597932"/>
+              <a:ext cx="55346" cy="5738336"/>
+            </a:xfrm>
+            <a:prstGeom prst="straightConnector1">
+              <a:avLst/>
+            </a:prstGeom>
+            <a:ln w="63500" cmpd="sng">
+              <a:solidFill>
+                <a:srgbClr val="FFC000"/>
+              </a:solidFill>
+              <a:tailEnd type="triangle"/>
+            </a:ln>
+          </p:spPr>
+          <p:style>
+            <a:lnRef idx="1">
+              <a:schemeClr val="accent1"/>
+            </a:lnRef>
+            <a:fillRef idx="0">
+              <a:schemeClr val="accent1"/>
+            </a:fillRef>
+            <a:effectRef idx="0">
+              <a:schemeClr val="accent1"/>
+            </a:effectRef>
+            <a:fontRef idx="minor">
+              <a:schemeClr val="tx1"/>
+            </a:fontRef>
+          </p:style>
+        </p:cxnSp>
+        <p:sp>
+          <p:nvSpPr>
+            <p:cNvPr id="17" name="TextBox 16"/>
+            <p:cNvSpPr txBox="1"/>
+            <p:nvPr/>
+          </p:nvSpPr>
+          <p:spPr>
+            <a:xfrm>
+              <a:off x="5133073" y="6336268"/>
+              <a:ext cx="1600200" cy="369332"/>
+            </a:xfrm>
+            <a:prstGeom prst="rect">
+              <a:avLst/>
+            </a:prstGeom>
+            <a:noFill/>
+          </p:spPr>
+          <p:txBody>
+            <a:bodyPr wrap="square" rtlCol="0">
+              <a:spAutoFit/>
+            </a:bodyPr>
+            <a:lstStyle/>
+            <a:p>
+              <a:r>
+                <a:rPr lang="en-US" dirty="0" smtClean="0"/>
+                <a:t>13/6/2013</a:t>
+              </a:r>
+              <a:endParaRPr lang="en-US" dirty="0"/>
+            </a:p>
+          </p:txBody>
+        </p:sp>
+        <p:cxnSp>
+          <p:nvCxnSpPr>
+            <p:cNvPr id="19" name="Straight Connector 18"/>
+            <p:cNvCxnSpPr/>
+            <p:nvPr/>
+          </p:nvCxnSpPr>
+          <p:spPr>
+            <a:xfrm>
+              <a:off x="3075673" y="1427922"/>
+              <a:ext cx="5257800" cy="0"/>
+            </a:xfrm>
+            <a:prstGeom prst="line">
+              <a:avLst/>
+            </a:prstGeom>
+            <a:ln w="38100">
+              <a:solidFill>
+                <a:schemeClr val="accent5">
+                  <a:lumMod val="75000"/>
+                </a:schemeClr>
+              </a:solidFill>
+            </a:ln>
+          </p:spPr>
+          <p:style>
+            <a:lnRef idx="1">
+              <a:schemeClr val="accent1"/>
+            </a:lnRef>
+            <a:fillRef idx="0">
+              <a:schemeClr val="accent1"/>
+            </a:fillRef>
+            <a:effectRef idx="0">
+              <a:schemeClr val="accent1"/>
+            </a:effectRef>
+            <a:fontRef idx="minor">
+              <a:schemeClr val="tx1"/>
+            </a:fontRef>
+          </p:style>
+        </p:cxnSp>
+        <p:cxnSp>
+          <p:nvCxnSpPr>
+            <p:cNvPr id="20" name="Straight Connector 19"/>
+            <p:cNvCxnSpPr/>
+            <p:nvPr/>
+          </p:nvCxnSpPr>
+          <p:spPr>
+            <a:xfrm>
+              <a:off x="3075673" y="2494722"/>
+              <a:ext cx="5257800" cy="0"/>
+            </a:xfrm>
+            <a:prstGeom prst="line">
+              <a:avLst/>
+            </a:prstGeom>
+            <a:ln w="38100">
+              <a:solidFill>
+                <a:schemeClr val="accent5">
+                  <a:lumMod val="75000"/>
+                </a:schemeClr>
+              </a:solidFill>
+            </a:ln>
+          </p:spPr>
+          <p:style>
+            <a:lnRef idx="1">
+              <a:schemeClr val="accent1"/>
+            </a:lnRef>
+            <a:fillRef idx="0">
+              <a:schemeClr val="accent1"/>
+            </a:fillRef>
+            <a:effectRef idx="0">
+              <a:schemeClr val="accent1"/>
+            </a:effectRef>
+            <a:fontRef idx="minor">
+              <a:schemeClr val="tx1"/>
+            </a:fontRef>
+          </p:style>
+        </p:cxnSp>
+        <p:sp>
+          <p:nvSpPr>
+            <p:cNvPr id="27" name="TextBox 26"/>
+            <p:cNvSpPr txBox="1"/>
+            <p:nvPr/>
+          </p:nvSpPr>
+          <p:spPr>
+            <a:xfrm>
+              <a:off x="3224097" y="1078518"/>
+              <a:ext cx="1460656" cy="369332"/>
+            </a:xfrm>
+            <a:prstGeom prst="rect">
+              <a:avLst/>
+            </a:prstGeom>
+            <a:noFill/>
+          </p:spPr>
+          <p:txBody>
+            <a:bodyPr wrap="none" rtlCol="0">
+              <a:spAutoFit/>
+            </a:bodyPr>
+            <a:lstStyle/>
+            <a:p>
+              <a:r>
+                <a:rPr lang="en-US" dirty="0" smtClean="0"/>
+                <a:t>Requirement</a:t>
+              </a:r>
+              <a:endParaRPr lang="en-US" dirty="0"/>
+            </a:p>
+          </p:txBody>
+        </p:sp>
+        <p:sp>
+          <p:nvSpPr>
+            <p:cNvPr id="28" name="TextBox 27"/>
+            <p:cNvSpPr txBox="1"/>
+            <p:nvPr/>
+          </p:nvSpPr>
+          <p:spPr>
+            <a:xfrm>
+              <a:off x="6823082" y="2125390"/>
+              <a:ext cx="848309" cy="369332"/>
+            </a:xfrm>
+            <a:prstGeom prst="rect">
+              <a:avLst/>
+            </a:prstGeom>
+            <a:noFill/>
+          </p:spPr>
+          <p:txBody>
+            <a:bodyPr wrap="none" rtlCol="0">
+              <a:spAutoFit/>
+            </a:bodyPr>
+            <a:lstStyle/>
+            <a:p>
+              <a:r>
+                <a:rPr lang="en-US" dirty="0" smtClean="0"/>
+                <a:t>Design</a:t>
+              </a:r>
+              <a:endParaRPr lang="en-US" dirty="0"/>
+            </a:p>
+          </p:txBody>
+        </p:sp>
+      </p:grpSp>
+      <p:sp>
+        <p:nvSpPr>
+          <p:cNvPr id="29" name="TextBox 28"/>
+          <p:cNvSpPr txBox="1"/>
+          <p:nvPr/>
+        </p:nvSpPr>
+        <p:spPr>
+          <a:xfrm>
+            <a:off x="3376497" y="3352800"/>
+            <a:ext cx="1511952" cy="369332"/>
+          </a:xfrm>
+          <a:prstGeom prst="rect">
+            <a:avLst/>
+          </a:prstGeom>
+          <a:noFill/>
+        </p:spPr>
+        <p:txBody>
+          <a:bodyPr wrap="none" rtlCol="0">
+            <a:spAutoFit/>
+          </a:bodyPr>
+          <a:lstStyle/>
+          <a:p>
+            <a:r>
+              <a:rPr lang="en-US" dirty="0" smtClean="0"/>
+              <a:t>Scrum sprints</a:t>
+            </a:r>
+            <a:endParaRPr lang="en-US" dirty="0"/>
+          </a:p>
+        </p:txBody>
+      </p:sp>
+      <p:grpSp>
+        <p:nvGrpSpPr>
+          <p:cNvPr id="55" name="Group 54"/>
+          <p:cNvGrpSpPr/>
+          <p:nvPr/>
+        </p:nvGrpSpPr>
+        <p:grpSpPr>
+          <a:xfrm>
+            <a:off x="5664264" y="3834200"/>
+            <a:ext cx="4498009" cy="369332"/>
+            <a:chOff x="5664264" y="3834200"/>
+            <a:chExt cx="4498009" cy="369332"/>
+          </a:xfrm>
+        </p:grpSpPr>
+        <p:cxnSp>
+          <p:nvCxnSpPr>
+            <p:cNvPr id="31" name="Straight Arrow Connector 30"/>
+            <p:cNvCxnSpPr/>
+            <p:nvPr/>
+          </p:nvCxnSpPr>
+          <p:spPr>
+            <a:xfrm>
+              <a:off x="5664264" y="4133166"/>
+              <a:ext cx="4498009" cy="0"/>
+            </a:xfrm>
+            <a:prstGeom prst="straightConnector1">
+              <a:avLst/>
+            </a:prstGeom>
+            <a:ln>
+              <a:solidFill>
+                <a:schemeClr val="accent3">
+                  <a:lumMod val="60000"/>
+                  <a:lumOff val="40000"/>
+                </a:schemeClr>
+              </a:solidFill>
+              <a:tailEnd type="triangle"/>
+            </a:ln>
+          </p:spPr>
+          <p:style>
+            <a:lnRef idx="1">
+              <a:schemeClr val="accent1"/>
+            </a:lnRef>
+            <a:fillRef idx="0">
+              <a:schemeClr val="accent1"/>
+            </a:fillRef>
+            <a:effectRef idx="0">
+              <a:schemeClr val="accent1"/>
+            </a:effectRef>
+            <a:fontRef idx="minor">
+              <a:schemeClr val="tx1"/>
+            </a:fontRef>
+          </p:style>
+        </p:cxnSp>
+        <p:sp>
+          <p:nvSpPr>
+            <p:cNvPr id="32" name="TextBox 31"/>
+            <p:cNvSpPr txBox="1"/>
+            <p:nvPr/>
+          </p:nvSpPr>
+          <p:spPr>
+            <a:xfrm>
+              <a:off x="5887800" y="3834200"/>
+              <a:ext cx="2930610" cy="369332"/>
+            </a:xfrm>
+            <a:prstGeom prst="rect">
+              <a:avLst/>
+            </a:prstGeom>
+            <a:noFill/>
+          </p:spPr>
+          <p:txBody>
+            <a:bodyPr wrap="none" rtlCol="0">
+              <a:spAutoFit/>
+            </a:bodyPr>
+            <a:lstStyle/>
+            <a:p>
+              <a:r>
+                <a:rPr lang="en-US" dirty="0" smtClean="0"/>
+                <a:t>W16 :Lack </a:t>
+              </a:r>
+              <a:r>
+                <a:rPr lang="en-US" dirty="0"/>
+                <a:t>of team members</a:t>
+              </a:r>
+            </a:p>
+          </p:txBody>
+        </p:sp>
+      </p:grpSp>
+      <p:sp>
+        <p:nvSpPr>
+          <p:cNvPr id="33" name="TextBox 32"/>
+          <p:cNvSpPr txBox="1"/>
+          <p:nvPr/>
+        </p:nvSpPr>
+        <p:spPr>
+          <a:xfrm>
+            <a:off x="10148182" y="3810000"/>
+            <a:ext cx="1891418" cy="646331"/>
+          </a:xfrm>
+          <a:prstGeom prst="rect">
+            <a:avLst/>
+          </a:prstGeom>
+          <a:noFill/>
+        </p:spPr>
+        <p:txBody>
+          <a:bodyPr wrap="square" rtlCol="0">
+            <a:spAutoFit/>
+          </a:bodyPr>
+          <a:lstStyle/>
+          <a:p>
+            <a:r>
+              <a:rPr lang="en-US" dirty="0"/>
+              <a:t>Transfer tasks to another member</a:t>
+            </a:r>
+          </a:p>
+        </p:txBody>
+      </p:sp>
+      <p:grpSp>
+        <p:nvGrpSpPr>
+          <p:cNvPr id="54" name="Group 53"/>
+          <p:cNvGrpSpPr/>
+          <p:nvPr/>
+        </p:nvGrpSpPr>
+        <p:grpSpPr>
+          <a:xfrm>
+            <a:off x="1371600" y="4258990"/>
+            <a:ext cx="4813460" cy="646331"/>
+            <a:chOff x="1371600" y="4258990"/>
+            <a:chExt cx="4813460" cy="646331"/>
+          </a:xfrm>
+        </p:grpSpPr>
+        <p:cxnSp>
+          <p:nvCxnSpPr>
+            <p:cNvPr id="35" name="Straight Arrow Connector 34"/>
+            <p:cNvCxnSpPr/>
+            <p:nvPr/>
+          </p:nvCxnSpPr>
+          <p:spPr>
+            <a:xfrm flipH="1">
+              <a:off x="1371600" y="4572000"/>
+              <a:ext cx="4267200" cy="0"/>
+            </a:xfrm>
+            <a:prstGeom prst="straightConnector1">
+              <a:avLst/>
+            </a:prstGeom>
+            <a:ln>
+              <a:solidFill>
+                <a:schemeClr val="accent3">
+                  <a:lumMod val="60000"/>
+                  <a:lumOff val="40000"/>
+                </a:schemeClr>
+              </a:solidFill>
+              <a:tailEnd type="triangle"/>
+            </a:ln>
+          </p:spPr>
+          <p:style>
+            <a:lnRef idx="1">
+              <a:schemeClr val="accent1"/>
+            </a:lnRef>
+            <a:fillRef idx="0">
+              <a:schemeClr val="accent1"/>
+            </a:fillRef>
+            <a:effectRef idx="0">
+              <a:schemeClr val="accent1"/>
+            </a:effectRef>
+            <a:fontRef idx="minor">
+              <a:schemeClr val="tx1"/>
+            </a:fontRef>
+          </p:style>
+        </p:cxnSp>
+        <p:sp>
+          <p:nvSpPr>
+            <p:cNvPr id="42" name="TextBox 41"/>
+            <p:cNvSpPr txBox="1"/>
+            <p:nvPr/>
+          </p:nvSpPr>
+          <p:spPr>
+            <a:xfrm>
+              <a:off x="2079886" y="4258990"/>
+              <a:ext cx="4105174" cy="646331"/>
+            </a:xfrm>
+            <a:prstGeom prst="rect">
+              <a:avLst/>
+            </a:prstGeom>
+            <a:noFill/>
+          </p:spPr>
+          <p:txBody>
+            <a:bodyPr wrap="square" rtlCol="0">
+              <a:spAutoFit/>
+            </a:bodyPr>
+            <a:lstStyle/>
+            <a:p>
+              <a:r>
+                <a:rPr lang="en-US" dirty="0" smtClean="0"/>
+                <a:t>W17 </a:t>
+              </a:r>
+              <a:r>
+                <a:rPr lang="en-US" dirty="0"/>
+                <a:t>:Not enough knowledge about programming</a:t>
+              </a:r>
+            </a:p>
+          </p:txBody>
+        </p:sp>
+      </p:grpSp>
+      <p:sp>
+        <p:nvSpPr>
+          <p:cNvPr id="43" name="Rectangle 42"/>
+          <p:cNvSpPr/>
+          <p:nvPr/>
+        </p:nvSpPr>
+        <p:spPr>
+          <a:xfrm>
+            <a:off x="83937" y="3861163"/>
+            <a:ext cx="1641806" cy="1200329"/>
+          </a:xfrm>
+          <a:prstGeom prst="rect">
+            <a:avLst/>
+          </a:prstGeom>
+        </p:spPr>
+        <p:txBody>
+          <a:bodyPr wrap="square">
+            <a:spAutoFit/>
+          </a:bodyPr>
+          <a:lstStyle/>
+          <a:p>
+            <a:r>
+              <a:rPr lang="en-US" dirty="0"/>
+              <a:t>Increase </a:t>
+            </a:r>
+            <a:r>
+              <a:rPr lang="en-US" dirty="0" err="1"/>
+              <a:t>trainning</a:t>
+            </a:r>
+            <a:r>
+              <a:rPr lang="en-US" dirty="0"/>
+              <a:t> per week about programming.</a:t>
+            </a:r>
+          </a:p>
+        </p:txBody>
+      </p:sp>
+      <p:grpSp>
+        <p:nvGrpSpPr>
+          <p:cNvPr id="56" name="Group 55"/>
+          <p:cNvGrpSpPr/>
+          <p:nvPr/>
+        </p:nvGrpSpPr>
+        <p:grpSpPr>
+          <a:xfrm>
+            <a:off x="5715000" y="4776113"/>
+            <a:ext cx="4267200" cy="369332"/>
+            <a:chOff x="5715000" y="4776113"/>
+            <a:chExt cx="4267200" cy="369332"/>
+          </a:xfrm>
+        </p:grpSpPr>
+        <p:cxnSp>
+          <p:nvCxnSpPr>
+            <p:cNvPr id="44" name="Straight Arrow Connector 43"/>
+            <p:cNvCxnSpPr/>
+            <p:nvPr/>
+          </p:nvCxnSpPr>
+          <p:spPr>
+            <a:xfrm>
+              <a:off x="5715000" y="5105400"/>
+              <a:ext cx="4267200" cy="0"/>
+            </a:xfrm>
+            <a:prstGeom prst="straightConnector1">
+              <a:avLst/>
+            </a:prstGeom>
+            <a:ln>
+              <a:solidFill>
+                <a:schemeClr val="accent3">
+                  <a:lumMod val="60000"/>
+                  <a:lumOff val="40000"/>
+                </a:schemeClr>
+              </a:solidFill>
+              <a:tailEnd type="triangle"/>
+            </a:ln>
+          </p:spPr>
+          <p:style>
+            <a:lnRef idx="1">
+              <a:schemeClr val="accent1"/>
+            </a:lnRef>
+            <a:fillRef idx="0">
+              <a:schemeClr val="accent1"/>
+            </a:fillRef>
+            <a:effectRef idx="0">
+              <a:schemeClr val="accent1"/>
+            </a:effectRef>
+            <a:fontRef idx="minor">
+              <a:schemeClr val="tx1"/>
+            </a:fontRef>
+          </p:style>
+        </p:cxnSp>
+        <p:sp>
+          <p:nvSpPr>
+            <p:cNvPr id="47" name="Rectangle 46"/>
+            <p:cNvSpPr/>
+            <p:nvPr/>
+          </p:nvSpPr>
+          <p:spPr>
+            <a:xfrm>
+              <a:off x="5833002" y="4776113"/>
+              <a:ext cx="2757486" cy="369332"/>
+            </a:xfrm>
+            <a:prstGeom prst="rect">
+              <a:avLst/>
+            </a:prstGeom>
+          </p:spPr>
+          <p:txBody>
+            <a:bodyPr wrap="none">
+              <a:spAutoFit/>
+            </a:bodyPr>
+            <a:lstStyle/>
+            <a:p>
+              <a:r>
+                <a:rPr lang="en-US" dirty="0" smtClean="0"/>
+                <a:t>W17 :Estimation </a:t>
+              </a:r>
+              <a:r>
+                <a:rPr lang="en-US" dirty="0"/>
+                <a:t>is not well</a:t>
+              </a:r>
+            </a:p>
+          </p:txBody>
+        </p:sp>
+      </p:grpSp>
+      <p:sp>
+        <p:nvSpPr>
+          <p:cNvPr id="48" name="Rectangle 47"/>
+          <p:cNvSpPr/>
+          <p:nvPr/>
+        </p:nvSpPr>
+        <p:spPr>
+          <a:xfrm>
+            <a:off x="9992627" y="4920734"/>
+            <a:ext cx="2230098" cy="369332"/>
+          </a:xfrm>
+          <a:prstGeom prst="rect">
+            <a:avLst/>
+          </a:prstGeom>
+        </p:spPr>
+        <p:txBody>
+          <a:bodyPr wrap="none">
+            <a:spAutoFit/>
+          </a:bodyPr>
+          <a:lstStyle/>
+          <a:p>
+            <a:r>
+              <a:rPr lang="en-US" dirty="0"/>
+              <a:t>Refer idea of experts</a:t>
+            </a:r>
+          </a:p>
+        </p:txBody>
+      </p:sp>
+      <p:grpSp>
+        <p:nvGrpSpPr>
+          <p:cNvPr id="57" name="Group 56"/>
+          <p:cNvGrpSpPr/>
+          <p:nvPr/>
+        </p:nvGrpSpPr>
+        <p:grpSpPr>
+          <a:xfrm>
+            <a:off x="1371600" y="5421868"/>
+            <a:ext cx="4399534" cy="369332"/>
+            <a:chOff x="1371600" y="5421868"/>
+            <a:chExt cx="4399534" cy="369332"/>
+          </a:xfrm>
+        </p:grpSpPr>
+        <p:sp>
+          <p:nvSpPr>
+            <p:cNvPr id="49" name="Rectangle 48"/>
+            <p:cNvSpPr/>
+            <p:nvPr/>
+          </p:nvSpPr>
+          <p:spPr>
+            <a:xfrm>
+              <a:off x="1396218" y="5421868"/>
+              <a:ext cx="4374916" cy="369332"/>
+            </a:xfrm>
+            <a:prstGeom prst="rect">
+              <a:avLst/>
+            </a:prstGeom>
+          </p:spPr>
+          <p:txBody>
+            <a:bodyPr wrap="none">
+              <a:spAutoFit/>
+            </a:bodyPr>
+            <a:lstStyle/>
+            <a:p>
+              <a:r>
+                <a:rPr lang="en-US" dirty="0" smtClean="0"/>
+                <a:t>W19 :Lack </a:t>
+              </a:r>
+              <a:r>
+                <a:rPr lang="en-US" dirty="0"/>
+                <a:t>of experience to manage project</a:t>
+              </a:r>
+            </a:p>
+          </p:txBody>
+        </p:sp>
+        <p:cxnSp>
+          <p:nvCxnSpPr>
+            <p:cNvPr id="50" name="Straight Arrow Connector 49"/>
+            <p:cNvCxnSpPr/>
+            <p:nvPr/>
+          </p:nvCxnSpPr>
+          <p:spPr>
+            <a:xfrm flipH="1">
+              <a:off x="1371600" y="5791200"/>
+              <a:ext cx="4292664" cy="0"/>
+            </a:xfrm>
+            <a:prstGeom prst="straightConnector1">
+              <a:avLst/>
+            </a:prstGeom>
+            <a:ln>
+              <a:solidFill>
+                <a:schemeClr val="accent3">
+                  <a:lumMod val="60000"/>
+                  <a:lumOff val="40000"/>
+                </a:schemeClr>
+              </a:solidFill>
+              <a:tailEnd type="triangle"/>
+            </a:ln>
+          </p:spPr>
+          <p:style>
+            <a:lnRef idx="1">
+              <a:schemeClr val="accent1"/>
+            </a:lnRef>
+            <a:fillRef idx="0">
+              <a:schemeClr val="accent1"/>
+            </a:fillRef>
+            <a:effectRef idx="0">
+              <a:schemeClr val="accent1"/>
+            </a:effectRef>
+            <a:fontRef idx="minor">
+              <a:schemeClr val="tx1"/>
+            </a:fontRef>
+          </p:style>
+        </p:cxnSp>
+      </p:grpSp>
+      <p:sp>
+        <p:nvSpPr>
+          <p:cNvPr id="52" name="Rectangle 51"/>
+          <p:cNvSpPr/>
+          <p:nvPr/>
+        </p:nvSpPr>
+        <p:spPr>
+          <a:xfrm>
+            <a:off x="110323" y="5272368"/>
+            <a:ext cx="1561579" cy="923330"/>
+          </a:xfrm>
+          <a:prstGeom prst="rect">
+            <a:avLst/>
+          </a:prstGeom>
+        </p:spPr>
+        <p:txBody>
+          <a:bodyPr wrap="square">
+            <a:spAutoFit/>
+          </a:bodyPr>
+          <a:lstStyle/>
+          <a:p>
+            <a:r>
+              <a:rPr lang="en-US" dirty="0"/>
+              <a:t>Consultation of the teachers</a:t>
+            </a:r>
           </a:p>
         </p:txBody>
       </p:sp>
@@ -11990,9 +12771,1251 @@
   <p:timing>
     <p:tnLst>
       <p:par>
-        <p:cTn id="1" dur="indefinite" restart="never" nodeType="tmRoot"/>
+        <p:cTn id="1" dur="indefinite" restart="never" nodeType="tmRoot">
+          <p:childTnLst>
+            <p:seq concurrent="1" nextAc="seek">
+              <p:cTn id="2" dur="indefinite" nodeType="mainSeq">
+                <p:childTnLst>
+                  <p:par>
+                    <p:cTn id="3" fill="hold">
+                      <p:stCondLst>
+                        <p:cond delay="indefinite"/>
+                      </p:stCondLst>
+                      <p:childTnLst>
+                        <p:par>
+                          <p:cTn id="4" fill="hold">
+                            <p:stCondLst>
+                              <p:cond delay="0"/>
+                            </p:stCondLst>
+                            <p:childTnLst>
+                              <p:par>
+                                <p:cTn id="5" presetID="16" presetClass="entr" presetSubtype="21" fill="hold" nodeType="clickEffect">
+                                  <p:stCondLst>
+                                    <p:cond delay="0"/>
+                                  </p:stCondLst>
+                                  <p:childTnLst>
+                                    <p:set>
+                                      <p:cBhvr>
+                                        <p:cTn id="6" dur="1" fill="hold">
+                                          <p:stCondLst>
+                                            <p:cond delay="0"/>
+                                          </p:stCondLst>
+                                        </p:cTn>
+                                        <p:tgtEl>
+                                          <p:spTgt spid="40"/>
+                                        </p:tgtEl>
+                                        <p:attrNameLst>
+                                          <p:attrName>style.visibility</p:attrName>
+                                        </p:attrNameLst>
+                                      </p:cBhvr>
+                                      <p:to>
+                                        <p:strVal val="visible"/>
+                                      </p:to>
+                                    </p:set>
+                                    <p:animEffect transition="in" filter="barn(inVertical)">
+                                      <p:cBhvr>
+                                        <p:cTn id="7" dur="500"/>
+                                        <p:tgtEl>
+                                          <p:spTgt spid="40"/>
+                                        </p:tgtEl>
+                                      </p:cBhvr>
+                                    </p:animEffect>
+                                  </p:childTnLst>
+                                </p:cTn>
+                              </p:par>
+                            </p:childTnLst>
+                          </p:cTn>
+                        </p:par>
+                      </p:childTnLst>
+                    </p:cTn>
+                  </p:par>
+                  <p:par>
+                    <p:cTn id="8" fill="hold">
+                      <p:stCondLst>
+                        <p:cond delay="indefinite"/>
+                      </p:stCondLst>
+                      <p:childTnLst>
+                        <p:par>
+                          <p:cTn id="9" fill="hold">
+                            <p:stCondLst>
+                              <p:cond delay="0"/>
+                            </p:stCondLst>
+                            <p:childTnLst>
+                              <p:par>
+                                <p:cTn id="10" presetID="6" presetClass="entr" presetSubtype="16" fill="hold" nodeType="clickEffect">
+                                  <p:stCondLst>
+                                    <p:cond delay="0"/>
+                                  </p:stCondLst>
+                                  <p:childTnLst>
+                                    <p:set>
+                                      <p:cBhvr>
+                                        <p:cTn id="11" dur="1" fill="hold">
+                                          <p:stCondLst>
+                                            <p:cond delay="0"/>
+                                          </p:stCondLst>
+                                        </p:cTn>
+                                        <p:tgtEl>
+                                          <p:spTgt spid="21"/>
+                                        </p:tgtEl>
+                                        <p:attrNameLst>
+                                          <p:attrName>style.visibility</p:attrName>
+                                        </p:attrNameLst>
+                                      </p:cBhvr>
+                                      <p:to>
+                                        <p:strVal val="visible"/>
+                                      </p:to>
+                                    </p:set>
+                                    <p:animEffect transition="in" filter="circle(in)">
+                                      <p:cBhvr>
+                                        <p:cTn id="12" dur="2000"/>
+                                        <p:tgtEl>
+                                          <p:spTgt spid="21"/>
+                                        </p:tgtEl>
+                                      </p:cBhvr>
+                                    </p:animEffect>
+                                  </p:childTnLst>
+                                </p:cTn>
+                              </p:par>
+                              <p:par>
+                                <p:cTn id="13" presetID="6" presetClass="entr" presetSubtype="16" fill="hold" grpId="0" nodeType="withEffect">
+                                  <p:stCondLst>
+                                    <p:cond delay="0"/>
+                                  </p:stCondLst>
+                                  <p:childTnLst>
+                                    <p:set>
+                                      <p:cBhvr>
+                                        <p:cTn id="14" dur="1" fill="hold">
+                                          <p:stCondLst>
+                                            <p:cond delay="0"/>
+                                          </p:stCondLst>
+                                        </p:cTn>
+                                        <p:tgtEl>
+                                          <p:spTgt spid="29"/>
+                                        </p:tgtEl>
+                                        <p:attrNameLst>
+                                          <p:attrName>style.visibility</p:attrName>
+                                        </p:attrNameLst>
+                                      </p:cBhvr>
+                                      <p:to>
+                                        <p:strVal val="visible"/>
+                                      </p:to>
+                                    </p:set>
+                                    <p:animEffect transition="in" filter="circle(in)">
+                                      <p:cBhvr>
+                                        <p:cTn id="15" dur="2000"/>
+                                        <p:tgtEl>
+                                          <p:spTgt spid="29"/>
+                                        </p:tgtEl>
+                                      </p:cBhvr>
+                                    </p:animEffect>
+                                  </p:childTnLst>
+                                </p:cTn>
+                              </p:par>
+                            </p:childTnLst>
+                          </p:cTn>
+                        </p:par>
+                      </p:childTnLst>
+                    </p:cTn>
+                  </p:par>
+                  <p:par>
+                    <p:cTn id="16" fill="hold">
+                      <p:stCondLst>
+                        <p:cond delay="indefinite"/>
+                      </p:stCondLst>
+                      <p:childTnLst>
+                        <p:par>
+                          <p:cTn id="17" fill="hold">
+                            <p:stCondLst>
+                              <p:cond delay="0"/>
+                            </p:stCondLst>
+                            <p:childTnLst>
+                              <p:par>
+                                <p:cTn id="18" presetID="31" presetClass="entr" presetSubtype="0" fill="hold" nodeType="clickEffect">
+                                  <p:stCondLst>
+                                    <p:cond delay="0"/>
+                                  </p:stCondLst>
+                                  <p:childTnLst>
+                                    <p:set>
+                                      <p:cBhvr>
+                                        <p:cTn id="19" dur="1" fill="hold">
+                                          <p:stCondLst>
+                                            <p:cond delay="0"/>
+                                          </p:stCondLst>
+                                        </p:cTn>
+                                        <p:tgtEl>
+                                          <p:spTgt spid="55"/>
+                                        </p:tgtEl>
+                                        <p:attrNameLst>
+                                          <p:attrName>style.visibility</p:attrName>
+                                        </p:attrNameLst>
+                                      </p:cBhvr>
+                                      <p:to>
+                                        <p:strVal val="visible"/>
+                                      </p:to>
+                                    </p:set>
+                                    <p:anim calcmode="lin" valueType="num">
+                                      <p:cBhvr>
+                                        <p:cTn id="20" dur="1000" fill="hold"/>
+                                        <p:tgtEl>
+                                          <p:spTgt spid="55"/>
+                                        </p:tgtEl>
+                                        <p:attrNameLst>
+                                          <p:attrName>ppt_w</p:attrName>
+                                        </p:attrNameLst>
+                                      </p:cBhvr>
+                                      <p:tavLst>
+                                        <p:tav tm="0">
+                                          <p:val>
+                                            <p:fltVal val="0"/>
+                                          </p:val>
+                                        </p:tav>
+                                        <p:tav tm="100000">
+                                          <p:val>
+                                            <p:strVal val="#ppt_w"/>
+                                          </p:val>
+                                        </p:tav>
+                                      </p:tavLst>
+                                    </p:anim>
+                                    <p:anim calcmode="lin" valueType="num">
+                                      <p:cBhvr>
+                                        <p:cTn id="21" dur="1000" fill="hold"/>
+                                        <p:tgtEl>
+                                          <p:spTgt spid="55"/>
+                                        </p:tgtEl>
+                                        <p:attrNameLst>
+                                          <p:attrName>ppt_h</p:attrName>
+                                        </p:attrNameLst>
+                                      </p:cBhvr>
+                                      <p:tavLst>
+                                        <p:tav tm="0">
+                                          <p:val>
+                                            <p:fltVal val="0"/>
+                                          </p:val>
+                                        </p:tav>
+                                        <p:tav tm="100000">
+                                          <p:val>
+                                            <p:strVal val="#ppt_h"/>
+                                          </p:val>
+                                        </p:tav>
+                                      </p:tavLst>
+                                    </p:anim>
+                                    <p:anim calcmode="lin" valueType="num">
+                                      <p:cBhvr>
+                                        <p:cTn id="22" dur="1000" fill="hold"/>
+                                        <p:tgtEl>
+                                          <p:spTgt spid="55"/>
+                                        </p:tgtEl>
+                                        <p:attrNameLst>
+                                          <p:attrName>style.rotation</p:attrName>
+                                        </p:attrNameLst>
+                                      </p:cBhvr>
+                                      <p:tavLst>
+                                        <p:tav tm="0">
+                                          <p:val>
+                                            <p:fltVal val="90"/>
+                                          </p:val>
+                                        </p:tav>
+                                        <p:tav tm="100000">
+                                          <p:val>
+                                            <p:fltVal val="0"/>
+                                          </p:val>
+                                        </p:tav>
+                                      </p:tavLst>
+                                    </p:anim>
+                                    <p:animEffect transition="in" filter="fade">
+                                      <p:cBhvr>
+                                        <p:cTn id="23" dur="1000"/>
+                                        <p:tgtEl>
+                                          <p:spTgt spid="55"/>
+                                        </p:tgtEl>
+                                      </p:cBhvr>
+                                    </p:animEffect>
+                                  </p:childTnLst>
+                                </p:cTn>
+                              </p:par>
+                            </p:childTnLst>
+                          </p:cTn>
+                        </p:par>
+                      </p:childTnLst>
+                    </p:cTn>
+                  </p:par>
+                  <p:par>
+                    <p:cTn id="24" fill="hold">
+                      <p:stCondLst>
+                        <p:cond delay="indefinite"/>
+                      </p:stCondLst>
+                      <p:childTnLst>
+                        <p:par>
+                          <p:cTn id="25" fill="hold">
+                            <p:stCondLst>
+                              <p:cond delay="0"/>
+                            </p:stCondLst>
+                            <p:childTnLst>
+                              <p:par>
+                                <p:cTn id="26" presetID="14" presetClass="entr" presetSubtype="10" fill="hold" grpId="0" nodeType="clickEffect">
+                                  <p:stCondLst>
+                                    <p:cond delay="0"/>
+                                  </p:stCondLst>
+                                  <p:childTnLst>
+                                    <p:set>
+                                      <p:cBhvr>
+                                        <p:cTn id="27" dur="1" fill="hold">
+                                          <p:stCondLst>
+                                            <p:cond delay="0"/>
+                                          </p:stCondLst>
+                                        </p:cTn>
+                                        <p:tgtEl>
+                                          <p:spTgt spid="33"/>
+                                        </p:tgtEl>
+                                        <p:attrNameLst>
+                                          <p:attrName>style.visibility</p:attrName>
+                                        </p:attrNameLst>
+                                      </p:cBhvr>
+                                      <p:to>
+                                        <p:strVal val="visible"/>
+                                      </p:to>
+                                    </p:set>
+                                    <p:animEffect transition="in" filter="randombar(horizontal)">
+                                      <p:cBhvr>
+                                        <p:cTn id="28" dur="500"/>
+                                        <p:tgtEl>
+                                          <p:spTgt spid="33"/>
+                                        </p:tgtEl>
+                                      </p:cBhvr>
+                                    </p:animEffect>
+                                  </p:childTnLst>
+                                </p:cTn>
+                              </p:par>
+                            </p:childTnLst>
+                          </p:cTn>
+                        </p:par>
+                      </p:childTnLst>
+                    </p:cTn>
+                  </p:par>
+                  <p:par>
+                    <p:cTn id="29" fill="hold">
+                      <p:stCondLst>
+                        <p:cond delay="indefinite"/>
+                      </p:stCondLst>
+                      <p:childTnLst>
+                        <p:par>
+                          <p:cTn id="30" fill="hold">
+                            <p:stCondLst>
+                              <p:cond delay="0"/>
+                            </p:stCondLst>
+                            <p:childTnLst>
+                              <p:par>
+                                <p:cTn id="31" presetID="53" presetClass="entr" presetSubtype="16" fill="hold" nodeType="clickEffect">
+                                  <p:stCondLst>
+                                    <p:cond delay="0"/>
+                                  </p:stCondLst>
+                                  <p:childTnLst>
+                                    <p:set>
+                                      <p:cBhvr>
+                                        <p:cTn id="32" dur="1" fill="hold">
+                                          <p:stCondLst>
+                                            <p:cond delay="0"/>
+                                          </p:stCondLst>
+                                        </p:cTn>
+                                        <p:tgtEl>
+                                          <p:spTgt spid="54"/>
+                                        </p:tgtEl>
+                                        <p:attrNameLst>
+                                          <p:attrName>style.visibility</p:attrName>
+                                        </p:attrNameLst>
+                                      </p:cBhvr>
+                                      <p:to>
+                                        <p:strVal val="visible"/>
+                                      </p:to>
+                                    </p:set>
+                                    <p:anim calcmode="lin" valueType="num">
+                                      <p:cBhvr>
+                                        <p:cTn id="33" dur="500" fill="hold"/>
+                                        <p:tgtEl>
+                                          <p:spTgt spid="54"/>
+                                        </p:tgtEl>
+                                        <p:attrNameLst>
+                                          <p:attrName>ppt_w</p:attrName>
+                                        </p:attrNameLst>
+                                      </p:cBhvr>
+                                      <p:tavLst>
+                                        <p:tav tm="0">
+                                          <p:val>
+                                            <p:fltVal val="0"/>
+                                          </p:val>
+                                        </p:tav>
+                                        <p:tav tm="100000">
+                                          <p:val>
+                                            <p:strVal val="#ppt_w"/>
+                                          </p:val>
+                                        </p:tav>
+                                      </p:tavLst>
+                                    </p:anim>
+                                    <p:anim calcmode="lin" valueType="num">
+                                      <p:cBhvr>
+                                        <p:cTn id="34" dur="500" fill="hold"/>
+                                        <p:tgtEl>
+                                          <p:spTgt spid="54"/>
+                                        </p:tgtEl>
+                                        <p:attrNameLst>
+                                          <p:attrName>ppt_h</p:attrName>
+                                        </p:attrNameLst>
+                                      </p:cBhvr>
+                                      <p:tavLst>
+                                        <p:tav tm="0">
+                                          <p:val>
+                                            <p:fltVal val="0"/>
+                                          </p:val>
+                                        </p:tav>
+                                        <p:tav tm="100000">
+                                          <p:val>
+                                            <p:strVal val="#ppt_h"/>
+                                          </p:val>
+                                        </p:tav>
+                                      </p:tavLst>
+                                    </p:anim>
+                                    <p:animEffect transition="in" filter="fade">
+                                      <p:cBhvr>
+                                        <p:cTn id="35" dur="500"/>
+                                        <p:tgtEl>
+                                          <p:spTgt spid="54"/>
+                                        </p:tgtEl>
+                                      </p:cBhvr>
+                                    </p:animEffect>
+                                  </p:childTnLst>
+                                </p:cTn>
+                              </p:par>
+                            </p:childTnLst>
+                          </p:cTn>
+                        </p:par>
+                      </p:childTnLst>
+                    </p:cTn>
+                  </p:par>
+                  <p:par>
+                    <p:cTn id="36" fill="hold">
+                      <p:stCondLst>
+                        <p:cond delay="indefinite"/>
+                      </p:stCondLst>
+                      <p:childTnLst>
+                        <p:par>
+                          <p:cTn id="37" fill="hold">
+                            <p:stCondLst>
+                              <p:cond delay="0"/>
+                            </p:stCondLst>
+                            <p:childTnLst>
+                              <p:par>
+                                <p:cTn id="38" presetID="53" presetClass="entr" presetSubtype="16" fill="hold" grpId="0" nodeType="clickEffect">
+                                  <p:stCondLst>
+                                    <p:cond delay="0"/>
+                                  </p:stCondLst>
+                                  <p:childTnLst>
+                                    <p:set>
+                                      <p:cBhvr>
+                                        <p:cTn id="39" dur="1" fill="hold">
+                                          <p:stCondLst>
+                                            <p:cond delay="0"/>
+                                          </p:stCondLst>
+                                        </p:cTn>
+                                        <p:tgtEl>
+                                          <p:spTgt spid="43"/>
+                                        </p:tgtEl>
+                                        <p:attrNameLst>
+                                          <p:attrName>style.visibility</p:attrName>
+                                        </p:attrNameLst>
+                                      </p:cBhvr>
+                                      <p:to>
+                                        <p:strVal val="visible"/>
+                                      </p:to>
+                                    </p:set>
+                                    <p:anim calcmode="lin" valueType="num">
+                                      <p:cBhvr>
+                                        <p:cTn id="40" dur="500" fill="hold"/>
+                                        <p:tgtEl>
+                                          <p:spTgt spid="43"/>
+                                        </p:tgtEl>
+                                        <p:attrNameLst>
+                                          <p:attrName>ppt_w</p:attrName>
+                                        </p:attrNameLst>
+                                      </p:cBhvr>
+                                      <p:tavLst>
+                                        <p:tav tm="0">
+                                          <p:val>
+                                            <p:fltVal val="0"/>
+                                          </p:val>
+                                        </p:tav>
+                                        <p:tav tm="100000">
+                                          <p:val>
+                                            <p:strVal val="#ppt_w"/>
+                                          </p:val>
+                                        </p:tav>
+                                      </p:tavLst>
+                                    </p:anim>
+                                    <p:anim calcmode="lin" valueType="num">
+                                      <p:cBhvr>
+                                        <p:cTn id="41" dur="500" fill="hold"/>
+                                        <p:tgtEl>
+                                          <p:spTgt spid="43"/>
+                                        </p:tgtEl>
+                                        <p:attrNameLst>
+                                          <p:attrName>ppt_h</p:attrName>
+                                        </p:attrNameLst>
+                                      </p:cBhvr>
+                                      <p:tavLst>
+                                        <p:tav tm="0">
+                                          <p:val>
+                                            <p:fltVal val="0"/>
+                                          </p:val>
+                                        </p:tav>
+                                        <p:tav tm="100000">
+                                          <p:val>
+                                            <p:strVal val="#ppt_h"/>
+                                          </p:val>
+                                        </p:tav>
+                                      </p:tavLst>
+                                    </p:anim>
+                                    <p:animEffect transition="in" filter="fade">
+                                      <p:cBhvr>
+                                        <p:cTn id="42" dur="500"/>
+                                        <p:tgtEl>
+                                          <p:spTgt spid="43"/>
+                                        </p:tgtEl>
+                                      </p:cBhvr>
+                                    </p:animEffect>
+                                  </p:childTnLst>
+                                </p:cTn>
+                              </p:par>
+                            </p:childTnLst>
+                          </p:cTn>
+                        </p:par>
+                      </p:childTnLst>
+                    </p:cTn>
+                  </p:par>
+                  <p:par>
+                    <p:cTn id="43" fill="hold">
+                      <p:stCondLst>
+                        <p:cond delay="indefinite"/>
+                      </p:stCondLst>
+                      <p:childTnLst>
+                        <p:par>
+                          <p:cTn id="44" fill="hold">
+                            <p:stCondLst>
+                              <p:cond delay="0"/>
+                            </p:stCondLst>
+                            <p:childTnLst>
+                              <p:par>
+                                <p:cTn id="45" presetID="10" presetClass="entr" presetSubtype="0" fill="hold" nodeType="clickEffect">
+                                  <p:stCondLst>
+                                    <p:cond delay="0"/>
+                                  </p:stCondLst>
+                                  <p:childTnLst>
+                                    <p:set>
+                                      <p:cBhvr>
+                                        <p:cTn id="46" dur="1" fill="hold">
+                                          <p:stCondLst>
+                                            <p:cond delay="0"/>
+                                          </p:stCondLst>
+                                        </p:cTn>
+                                        <p:tgtEl>
+                                          <p:spTgt spid="56"/>
+                                        </p:tgtEl>
+                                        <p:attrNameLst>
+                                          <p:attrName>style.visibility</p:attrName>
+                                        </p:attrNameLst>
+                                      </p:cBhvr>
+                                      <p:to>
+                                        <p:strVal val="visible"/>
+                                      </p:to>
+                                    </p:set>
+                                    <p:animEffect transition="in" filter="fade">
+                                      <p:cBhvr>
+                                        <p:cTn id="47" dur="500"/>
+                                        <p:tgtEl>
+                                          <p:spTgt spid="56"/>
+                                        </p:tgtEl>
+                                      </p:cBhvr>
+                                    </p:animEffect>
+                                  </p:childTnLst>
+                                </p:cTn>
+                              </p:par>
+                            </p:childTnLst>
+                          </p:cTn>
+                        </p:par>
+                      </p:childTnLst>
+                    </p:cTn>
+                  </p:par>
+                  <p:par>
+                    <p:cTn id="48" fill="hold">
+                      <p:stCondLst>
+                        <p:cond delay="indefinite"/>
+                      </p:stCondLst>
+                      <p:childTnLst>
+                        <p:par>
+                          <p:cTn id="49" fill="hold">
+                            <p:stCondLst>
+                              <p:cond delay="0"/>
+                            </p:stCondLst>
+                            <p:childTnLst>
+                              <p:par>
+                                <p:cTn id="50" presetID="10" presetClass="entr" presetSubtype="0" fill="hold" grpId="0" nodeType="clickEffect">
+                                  <p:stCondLst>
+                                    <p:cond delay="0"/>
+                                  </p:stCondLst>
+                                  <p:childTnLst>
+                                    <p:set>
+                                      <p:cBhvr>
+                                        <p:cTn id="51" dur="1" fill="hold">
+                                          <p:stCondLst>
+                                            <p:cond delay="0"/>
+                                          </p:stCondLst>
+                                        </p:cTn>
+                                        <p:tgtEl>
+                                          <p:spTgt spid="48"/>
+                                        </p:tgtEl>
+                                        <p:attrNameLst>
+                                          <p:attrName>style.visibility</p:attrName>
+                                        </p:attrNameLst>
+                                      </p:cBhvr>
+                                      <p:to>
+                                        <p:strVal val="visible"/>
+                                      </p:to>
+                                    </p:set>
+                                    <p:animEffect transition="in" filter="fade">
+                                      <p:cBhvr>
+                                        <p:cTn id="52" dur="500"/>
+                                        <p:tgtEl>
+                                          <p:spTgt spid="48"/>
+                                        </p:tgtEl>
+                                      </p:cBhvr>
+                                    </p:animEffect>
+                                  </p:childTnLst>
+                                </p:cTn>
+                              </p:par>
+                            </p:childTnLst>
+                          </p:cTn>
+                        </p:par>
+                      </p:childTnLst>
+                    </p:cTn>
+                  </p:par>
+                  <p:par>
+                    <p:cTn id="53" fill="hold">
+                      <p:stCondLst>
+                        <p:cond delay="indefinite"/>
+                      </p:stCondLst>
+                      <p:childTnLst>
+                        <p:par>
+                          <p:cTn id="54" fill="hold">
+                            <p:stCondLst>
+                              <p:cond delay="0"/>
+                            </p:stCondLst>
+                            <p:childTnLst>
+                              <p:par>
+                                <p:cTn id="55" presetID="26" presetClass="entr" presetSubtype="0" fill="hold" nodeType="clickEffect">
+                                  <p:stCondLst>
+                                    <p:cond delay="0"/>
+                                  </p:stCondLst>
+                                  <p:childTnLst>
+                                    <p:set>
+                                      <p:cBhvr>
+                                        <p:cTn id="56" dur="1" fill="hold">
+                                          <p:stCondLst>
+                                            <p:cond delay="0"/>
+                                          </p:stCondLst>
+                                        </p:cTn>
+                                        <p:tgtEl>
+                                          <p:spTgt spid="57"/>
+                                        </p:tgtEl>
+                                        <p:attrNameLst>
+                                          <p:attrName>style.visibility</p:attrName>
+                                        </p:attrNameLst>
+                                      </p:cBhvr>
+                                      <p:to>
+                                        <p:strVal val="visible"/>
+                                      </p:to>
+                                    </p:set>
+                                    <p:animEffect transition="in" filter="wipe(down)">
+                                      <p:cBhvr>
+                                        <p:cTn id="57" dur="580">
+                                          <p:stCondLst>
+                                            <p:cond delay="0"/>
+                                          </p:stCondLst>
+                                        </p:cTn>
+                                        <p:tgtEl>
+                                          <p:spTgt spid="57"/>
+                                        </p:tgtEl>
+                                      </p:cBhvr>
+                                    </p:animEffect>
+                                    <p:anim calcmode="lin" valueType="num">
+                                      <p:cBhvr>
+                                        <p:cTn id="58" dur="1822" tmFilter="0,0; 0.14,0.36; 0.43,0.73; 0.71,0.91; 1.0,1.0">
+                                          <p:stCondLst>
+                                            <p:cond delay="0"/>
+                                          </p:stCondLst>
+                                        </p:cTn>
+                                        <p:tgtEl>
+                                          <p:spTgt spid="57"/>
+                                        </p:tgtEl>
+                                        <p:attrNameLst>
+                                          <p:attrName>ppt_x</p:attrName>
+                                        </p:attrNameLst>
+                                      </p:cBhvr>
+                                      <p:tavLst>
+                                        <p:tav tm="0">
+                                          <p:val>
+                                            <p:strVal val="#ppt_x-0.25"/>
+                                          </p:val>
+                                        </p:tav>
+                                        <p:tav tm="100000">
+                                          <p:val>
+                                            <p:strVal val="#ppt_x"/>
+                                          </p:val>
+                                        </p:tav>
+                                      </p:tavLst>
+                                    </p:anim>
+                                    <p:anim calcmode="lin" valueType="num">
+                                      <p:cBhvr>
+                                        <p:cTn id="59" dur="664" tmFilter="0.0,0.0; 0.25,0.07; 0.50,0.2; 0.75,0.467; 1.0,1.0">
+                                          <p:stCondLst>
+                                            <p:cond delay="0"/>
+                                          </p:stCondLst>
+                                        </p:cTn>
+                                        <p:tgtEl>
+                                          <p:spTgt spid="57"/>
+                                        </p:tgtEl>
+                                        <p:attrNameLst>
+                                          <p:attrName>ppt_y</p:attrName>
+                                        </p:attrNameLst>
+                                      </p:cBhvr>
+                                      <p:tavLst>
+                                        <p:tav tm="0" fmla="#ppt_y-sin(pi*$)/3">
+                                          <p:val>
+                                            <p:fltVal val="0.5"/>
+                                          </p:val>
+                                        </p:tav>
+                                        <p:tav tm="100000">
+                                          <p:val>
+                                            <p:fltVal val="1"/>
+                                          </p:val>
+                                        </p:tav>
+                                      </p:tavLst>
+                                    </p:anim>
+                                    <p:anim calcmode="lin" valueType="num">
+                                      <p:cBhvr>
+                                        <p:cTn id="60" dur="664" tmFilter="0, 0; 0.125,0.2665; 0.25,0.4; 0.375,0.465; 0.5,0.5;  0.625,0.535; 0.75,0.6; 0.875,0.7335; 1,1">
+                                          <p:stCondLst>
+                                            <p:cond delay="664"/>
+                                          </p:stCondLst>
+                                        </p:cTn>
+                                        <p:tgtEl>
+                                          <p:spTgt spid="57"/>
+                                        </p:tgtEl>
+                                        <p:attrNameLst>
+                                          <p:attrName>ppt_y</p:attrName>
+                                        </p:attrNameLst>
+                                      </p:cBhvr>
+                                      <p:tavLst>
+                                        <p:tav tm="0" fmla="#ppt_y-sin(pi*$)/9">
+                                          <p:val>
+                                            <p:fltVal val="0"/>
+                                          </p:val>
+                                        </p:tav>
+                                        <p:tav tm="100000">
+                                          <p:val>
+                                            <p:fltVal val="1"/>
+                                          </p:val>
+                                        </p:tav>
+                                      </p:tavLst>
+                                    </p:anim>
+                                    <p:anim calcmode="lin" valueType="num">
+                                      <p:cBhvr>
+                                        <p:cTn id="61" dur="332" tmFilter="0, 0; 0.125,0.2665; 0.25,0.4; 0.375,0.465; 0.5,0.5;  0.625,0.535; 0.75,0.6; 0.875,0.7335; 1,1">
+                                          <p:stCondLst>
+                                            <p:cond delay="1324"/>
+                                          </p:stCondLst>
+                                        </p:cTn>
+                                        <p:tgtEl>
+                                          <p:spTgt spid="57"/>
+                                        </p:tgtEl>
+                                        <p:attrNameLst>
+                                          <p:attrName>ppt_y</p:attrName>
+                                        </p:attrNameLst>
+                                      </p:cBhvr>
+                                      <p:tavLst>
+                                        <p:tav tm="0" fmla="#ppt_y-sin(pi*$)/27">
+                                          <p:val>
+                                            <p:fltVal val="0"/>
+                                          </p:val>
+                                        </p:tav>
+                                        <p:tav tm="100000">
+                                          <p:val>
+                                            <p:fltVal val="1"/>
+                                          </p:val>
+                                        </p:tav>
+                                      </p:tavLst>
+                                    </p:anim>
+                                    <p:anim calcmode="lin" valueType="num">
+                                      <p:cBhvr>
+                                        <p:cTn id="62" dur="164" tmFilter="0, 0; 0.125,0.2665; 0.25,0.4; 0.375,0.465; 0.5,0.5;  0.625,0.535; 0.75,0.6; 0.875,0.7335; 1,1">
+                                          <p:stCondLst>
+                                            <p:cond delay="1656"/>
+                                          </p:stCondLst>
+                                        </p:cTn>
+                                        <p:tgtEl>
+                                          <p:spTgt spid="57"/>
+                                        </p:tgtEl>
+                                        <p:attrNameLst>
+                                          <p:attrName>ppt_y</p:attrName>
+                                        </p:attrNameLst>
+                                      </p:cBhvr>
+                                      <p:tavLst>
+                                        <p:tav tm="0" fmla="#ppt_y-sin(pi*$)/81">
+                                          <p:val>
+                                            <p:fltVal val="0"/>
+                                          </p:val>
+                                        </p:tav>
+                                        <p:tav tm="100000">
+                                          <p:val>
+                                            <p:fltVal val="1"/>
+                                          </p:val>
+                                        </p:tav>
+                                      </p:tavLst>
+                                    </p:anim>
+                                    <p:animScale>
+                                      <p:cBhvr>
+                                        <p:cTn id="63" dur="26">
+                                          <p:stCondLst>
+                                            <p:cond delay="650"/>
+                                          </p:stCondLst>
+                                        </p:cTn>
+                                        <p:tgtEl>
+                                          <p:spTgt spid="57"/>
+                                        </p:tgtEl>
+                                      </p:cBhvr>
+                                      <p:to x="100000" y="60000"/>
+                                    </p:animScale>
+                                    <p:animScale>
+                                      <p:cBhvr>
+                                        <p:cTn id="64" dur="166" decel="50000">
+                                          <p:stCondLst>
+                                            <p:cond delay="676"/>
+                                          </p:stCondLst>
+                                        </p:cTn>
+                                        <p:tgtEl>
+                                          <p:spTgt spid="57"/>
+                                        </p:tgtEl>
+                                      </p:cBhvr>
+                                      <p:to x="100000" y="100000"/>
+                                    </p:animScale>
+                                    <p:animScale>
+                                      <p:cBhvr>
+                                        <p:cTn id="65" dur="26">
+                                          <p:stCondLst>
+                                            <p:cond delay="1312"/>
+                                          </p:stCondLst>
+                                        </p:cTn>
+                                        <p:tgtEl>
+                                          <p:spTgt spid="57"/>
+                                        </p:tgtEl>
+                                      </p:cBhvr>
+                                      <p:to x="100000" y="80000"/>
+                                    </p:animScale>
+                                    <p:animScale>
+                                      <p:cBhvr>
+                                        <p:cTn id="66" dur="166" decel="50000">
+                                          <p:stCondLst>
+                                            <p:cond delay="1338"/>
+                                          </p:stCondLst>
+                                        </p:cTn>
+                                        <p:tgtEl>
+                                          <p:spTgt spid="57"/>
+                                        </p:tgtEl>
+                                      </p:cBhvr>
+                                      <p:to x="100000" y="100000"/>
+                                    </p:animScale>
+                                    <p:animScale>
+                                      <p:cBhvr>
+                                        <p:cTn id="67" dur="26">
+                                          <p:stCondLst>
+                                            <p:cond delay="1642"/>
+                                          </p:stCondLst>
+                                        </p:cTn>
+                                        <p:tgtEl>
+                                          <p:spTgt spid="57"/>
+                                        </p:tgtEl>
+                                      </p:cBhvr>
+                                      <p:to x="100000" y="90000"/>
+                                    </p:animScale>
+                                    <p:animScale>
+                                      <p:cBhvr>
+                                        <p:cTn id="68" dur="166" decel="50000">
+                                          <p:stCondLst>
+                                            <p:cond delay="1668"/>
+                                          </p:stCondLst>
+                                        </p:cTn>
+                                        <p:tgtEl>
+                                          <p:spTgt spid="57"/>
+                                        </p:tgtEl>
+                                      </p:cBhvr>
+                                      <p:to x="100000" y="100000"/>
+                                    </p:animScale>
+                                    <p:animScale>
+                                      <p:cBhvr>
+                                        <p:cTn id="69" dur="26">
+                                          <p:stCondLst>
+                                            <p:cond delay="1808"/>
+                                          </p:stCondLst>
+                                        </p:cTn>
+                                        <p:tgtEl>
+                                          <p:spTgt spid="57"/>
+                                        </p:tgtEl>
+                                      </p:cBhvr>
+                                      <p:to x="100000" y="95000"/>
+                                    </p:animScale>
+                                    <p:animScale>
+                                      <p:cBhvr>
+                                        <p:cTn id="70" dur="166" decel="50000">
+                                          <p:stCondLst>
+                                            <p:cond delay="1834"/>
+                                          </p:stCondLst>
+                                        </p:cTn>
+                                        <p:tgtEl>
+                                          <p:spTgt spid="57"/>
+                                        </p:tgtEl>
+                                      </p:cBhvr>
+                                      <p:to x="100000" y="100000"/>
+                                    </p:animScale>
+                                  </p:childTnLst>
+                                </p:cTn>
+                              </p:par>
+                            </p:childTnLst>
+                          </p:cTn>
+                        </p:par>
+                      </p:childTnLst>
+                    </p:cTn>
+                  </p:par>
+                  <p:par>
+                    <p:cTn id="71" fill="hold">
+                      <p:stCondLst>
+                        <p:cond delay="indefinite"/>
+                      </p:stCondLst>
+                      <p:childTnLst>
+                        <p:par>
+                          <p:cTn id="72" fill="hold">
+                            <p:stCondLst>
+                              <p:cond delay="0"/>
+                            </p:stCondLst>
+                            <p:childTnLst>
+                              <p:par>
+                                <p:cTn id="73" presetID="26" presetClass="entr" presetSubtype="0" fill="hold" grpId="0" nodeType="clickEffect">
+                                  <p:stCondLst>
+                                    <p:cond delay="0"/>
+                                  </p:stCondLst>
+                                  <p:childTnLst>
+                                    <p:set>
+                                      <p:cBhvr>
+                                        <p:cTn id="74" dur="1" fill="hold">
+                                          <p:stCondLst>
+                                            <p:cond delay="0"/>
+                                          </p:stCondLst>
+                                        </p:cTn>
+                                        <p:tgtEl>
+                                          <p:spTgt spid="52"/>
+                                        </p:tgtEl>
+                                        <p:attrNameLst>
+                                          <p:attrName>style.visibility</p:attrName>
+                                        </p:attrNameLst>
+                                      </p:cBhvr>
+                                      <p:to>
+                                        <p:strVal val="visible"/>
+                                      </p:to>
+                                    </p:set>
+                                    <p:animEffect transition="in" filter="wipe(down)">
+                                      <p:cBhvr>
+                                        <p:cTn id="75" dur="580">
+                                          <p:stCondLst>
+                                            <p:cond delay="0"/>
+                                          </p:stCondLst>
+                                        </p:cTn>
+                                        <p:tgtEl>
+                                          <p:spTgt spid="52"/>
+                                        </p:tgtEl>
+                                      </p:cBhvr>
+                                    </p:animEffect>
+                                    <p:anim calcmode="lin" valueType="num">
+                                      <p:cBhvr>
+                                        <p:cTn id="76" dur="1822" tmFilter="0,0; 0.14,0.36; 0.43,0.73; 0.71,0.91; 1.0,1.0">
+                                          <p:stCondLst>
+                                            <p:cond delay="0"/>
+                                          </p:stCondLst>
+                                        </p:cTn>
+                                        <p:tgtEl>
+                                          <p:spTgt spid="52"/>
+                                        </p:tgtEl>
+                                        <p:attrNameLst>
+                                          <p:attrName>ppt_x</p:attrName>
+                                        </p:attrNameLst>
+                                      </p:cBhvr>
+                                      <p:tavLst>
+                                        <p:tav tm="0">
+                                          <p:val>
+                                            <p:strVal val="#ppt_x-0.25"/>
+                                          </p:val>
+                                        </p:tav>
+                                        <p:tav tm="100000">
+                                          <p:val>
+                                            <p:strVal val="#ppt_x"/>
+                                          </p:val>
+                                        </p:tav>
+                                      </p:tavLst>
+                                    </p:anim>
+                                    <p:anim calcmode="lin" valueType="num">
+                                      <p:cBhvr>
+                                        <p:cTn id="77" dur="664" tmFilter="0.0,0.0; 0.25,0.07; 0.50,0.2; 0.75,0.467; 1.0,1.0">
+                                          <p:stCondLst>
+                                            <p:cond delay="0"/>
+                                          </p:stCondLst>
+                                        </p:cTn>
+                                        <p:tgtEl>
+                                          <p:spTgt spid="52"/>
+                                        </p:tgtEl>
+                                        <p:attrNameLst>
+                                          <p:attrName>ppt_y</p:attrName>
+                                        </p:attrNameLst>
+                                      </p:cBhvr>
+                                      <p:tavLst>
+                                        <p:tav tm="0" fmla="#ppt_y-sin(pi*$)/3">
+                                          <p:val>
+                                            <p:fltVal val="0.5"/>
+                                          </p:val>
+                                        </p:tav>
+                                        <p:tav tm="100000">
+                                          <p:val>
+                                            <p:fltVal val="1"/>
+                                          </p:val>
+                                        </p:tav>
+                                      </p:tavLst>
+                                    </p:anim>
+                                    <p:anim calcmode="lin" valueType="num">
+                                      <p:cBhvr>
+                                        <p:cTn id="78" dur="664" tmFilter="0, 0; 0.125,0.2665; 0.25,0.4; 0.375,0.465; 0.5,0.5;  0.625,0.535; 0.75,0.6; 0.875,0.7335; 1,1">
+                                          <p:stCondLst>
+                                            <p:cond delay="664"/>
+                                          </p:stCondLst>
+                                        </p:cTn>
+                                        <p:tgtEl>
+                                          <p:spTgt spid="52"/>
+                                        </p:tgtEl>
+                                        <p:attrNameLst>
+                                          <p:attrName>ppt_y</p:attrName>
+                                        </p:attrNameLst>
+                                      </p:cBhvr>
+                                      <p:tavLst>
+                                        <p:tav tm="0" fmla="#ppt_y-sin(pi*$)/9">
+                                          <p:val>
+                                            <p:fltVal val="0"/>
+                                          </p:val>
+                                        </p:tav>
+                                        <p:tav tm="100000">
+                                          <p:val>
+                                            <p:fltVal val="1"/>
+                                          </p:val>
+                                        </p:tav>
+                                      </p:tavLst>
+                                    </p:anim>
+                                    <p:anim calcmode="lin" valueType="num">
+                                      <p:cBhvr>
+                                        <p:cTn id="79" dur="332" tmFilter="0, 0; 0.125,0.2665; 0.25,0.4; 0.375,0.465; 0.5,0.5;  0.625,0.535; 0.75,0.6; 0.875,0.7335; 1,1">
+                                          <p:stCondLst>
+                                            <p:cond delay="1324"/>
+                                          </p:stCondLst>
+                                        </p:cTn>
+                                        <p:tgtEl>
+                                          <p:spTgt spid="52"/>
+                                        </p:tgtEl>
+                                        <p:attrNameLst>
+                                          <p:attrName>ppt_y</p:attrName>
+                                        </p:attrNameLst>
+                                      </p:cBhvr>
+                                      <p:tavLst>
+                                        <p:tav tm="0" fmla="#ppt_y-sin(pi*$)/27">
+                                          <p:val>
+                                            <p:fltVal val="0"/>
+                                          </p:val>
+                                        </p:tav>
+                                        <p:tav tm="100000">
+                                          <p:val>
+                                            <p:fltVal val="1"/>
+                                          </p:val>
+                                        </p:tav>
+                                      </p:tavLst>
+                                    </p:anim>
+                                    <p:anim calcmode="lin" valueType="num">
+                                      <p:cBhvr>
+                                        <p:cTn id="80" dur="164" tmFilter="0, 0; 0.125,0.2665; 0.25,0.4; 0.375,0.465; 0.5,0.5;  0.625,0.535; 0.75,0.6; 0.875,0.7335; 1,1">
+                                          <p:stCondLst>
+                                            <p:cond delay="1656"/>
+                                          </p:stCondLst>
+                                        </p:cTn>
+                                        <p:tgtEl>
+                                          <p:spTgt spid="52"/>
+                                        </p:tgtEl>
+                                        <p:attrNameLst>
+                                          <p:attrName>ppt_y</p:attrName>
+                                        </p:attrNameLst>
+                                      </p:cBhvr>
+                                      <p:tavLst>
+                                        <p:tav tm="0" fmla="#ppt_y-sin(pi*$)/81">
+                                          <p:val>
+                                            <p:fltVal val="0"/>
+                                          </p:val>
+                                        </p:tav>
+                                        <p:tav tm="100000">
+                                          <p:val>
+                                            <p:fltVal val="1"/>
+                                          </p:val>
+                                        </p:tav>
+                                      </p:tavLst>
+                                    </p:anim>
+                                    <p:animScale>
+                                      <p:cBhvr>
+                                        <p:cTn id="81" dur="26">
+                                          <p:stCondLst>
+                                            <p:cond delay="650"/>
+                                          </p:stCondLst>
+                                        </p:cTn>
+                                        <p:tgtEl>
+                                          <p:spTgt spid="52"/>
+                                        </p:tgtEl>
+                                      </p:cBhvr>
+                                      <p:to x="100000" y="60000"/>
+                                    </p:animScale>
+                                    <p:animScale>
+                                      <p:cBhvr>
+                                        <p:cTn id="82" dur="166" decel="50000">
+                                          <p:stCondLst>
+                                            <p:cond delay="676"/>
+                                          </p:stCondLst>
+                                        </p:cTn>
+                                        <p:tgtEl>
+                                          <p:spTgt spid="52"/>
+                                        </p:tgtEl>
+                                      </p:cBhvr>
+                                      <p:to x="100000" y="100000"/>
+                                    </p:animScale>
+                                    <p:animScale>
+                                      <p:cBhvr>
+                                        <p:cTn id="83" dur="26">
+                                          <p:stCondLst>
+                                            <p:cond delay="1312"/>
+                                          </p:stCondLst>
+                                        </p:cTn>
+                                        <p:tgtEl>
+                                          <p:spTgt spid="52"/>
+                                        </p:tgtEl>
+                                      </p:cBhvr>
+                                      <p:to x="100000" y="80000"/>
+                                    </p:animScale>
+                                    <p:animScale>
+                                      <p:cBhvr>
+                                        <p:cTn id="84" dur="166" decel="50000">
+                                          <p:stCondLst>
+                                            <p:cond delay="1338"/>
+                                          </p:stCondLst>
+                                        </p:cTn>
+                                        <p:tgtEl>
+                                          <p:spTgt spid="52"/>
+                                        </p:tgtEl>
+                                      </p:cBhvr>
+                                      <p:to x="100000" y="100000"/>
+                                    </p:animScale>
+                                    <p:animScale>
+                                      <p:cBhvr>
+                                        <p:cTn id="85" dur="26">
+                                          <p:stCondLst>
+                                            <p:cond delay="1642"/>
+                                          </p:stCondLst>
+                                        </p:cTn>
+                                        <p:tgtEl>
+                                          <p:spTgt spid="52"/>
+                                        </p:tgtEl>
+                                      </p:cBhvr>
+                                      <p:to x="100000" y="90000"/>
+                                    </p:animScale>
+                                    <p:animScale>
+                                      <p:cBhvr>
+                                        <p:cTn id="86" dur="166" decel="50000">
+                                          <p:stCondLst>
+                                            <p:cond delay="1668"/>
+                                          </p:stCondLst>
+                                        </p:cTn>
+                                        <p:tgtEl>
+                                          <p:spTgt spid="52"/>
+                                        </p:tgtEl>
+                                      </p:cBhvr>
+                                      <p:to x="100000" y="100000"/>
+                                    </p:animScale>
+                                    <p:animScale>
+                                      <p:cBhvr>
+                                        <p:cTn id="87" dur="26">
+                                          <p:stCondLst>
+                                            <p:cond delay="1808"/>
+                                          </p:stCondLst>
+                                        </p:cTn>
+                                        <p:tgtEl>
+                                          <p:spTgt spid="52"/>
+                                        </p:tgtEl>
+                                      </p:cBhvr>
+                                      <p:to x="100000" y="95000"/>
+                                    </p:animScale>
+                                    <p:animScale>
+                                      <p:cBhvr>
+                                        <p:cTn id="88" dur="166" decel="50000">
+                                          <p:stCondLst>
+                                            <p:cond delay="1834"/>
+                                          </p:stCondLst>
+                                        </p:cTn>
+                                        <p:tgtEl>
+                                          <p:spTgt spid="52"/>
+                                        </p:tgtEl>
+                                      </p:cBhvr>
+                                      <p:to x="100000" y="100000"/>
+                                    </p:animScale>
+                                  </p:childTnLst>
+                                </p:cTn>
+                              </p:par>
+                            </p:childTnLst>
+                          </p:cTn>
+                        </p:par>
+                      </p:childTnLst>
+                    </p:cTn>
+                  </p:par>
+                </p:childTnLst>
+              </p:cTn>
+              <p:prevCondLst>
+                <p:cond evt="onPrev" delay="0">
+                  <p:tgtEl>
+                    <p:sldTgt/>
+                  </p:tgtEl>
+                </p:cond>
+              </p:prevCondLst>
+              <p:nextCondLst>
+                <p:cond evt="onNext" delay="0">
+                  <p:tgtEl>
+                    <p:sldTgt/>
+                  </p:tgtEl>
+                </p:cond>
+              </p:nextCondLst>
+            </p:seq>
+          </p:childTnLst>
+        </p:cTn>
       </p:par>
     </p:tnLst>
+    <p:bldLst>
+      <p:bldP spid="29" grpId="0"/>
+      <p:bldP spid="33" grpId="0"/>
+      <p:bldP spid="43" grpId="0"/>
+      <p:bldP spid="48" grpId="0"/>
+      <p:bldP spid="52" grpId="0"/>
+    </p:bldLst>
   </p:timing>
 </p:sld>
 </file>
@@ -18664,7 +20687,6 @@
               <a:rPr lang="en-US" sz="2400" dirty="0"/>
               <a:t>Building a new system to replace the current system. </a:t>
             </a:r>
-            <a:endParaRPr lang="en-US" sz="2400" dirty="0"/>
           </a:p>
         </p:txBody>
       </p:sp>
@@ -18694,7 +20716,6 @@
               <a:rPr lang="en-US" sz="2400" dirty="0"/>
               <a:t>Improving usability by adding develop android applications.</a:t>
             </a:r>
-            <a:endParaRPr lang="en-US" sz="2400" dirty="0"/>
           </a:p>
         </p:txBody>
       </p:sp>
@@ -18993,8 +21014,8 @@
       <p:transition spd="slow"/>
     </mc:Fallback>
   </mc:AlternateContent>
-  <mc:AlternateContent xmlns:mc="http://schemas.openxmlformats.org/markup-compatibility/2006">
-    <mc:Choice xmlns:p14="http://schemas.microsoft.com/office/powerpoint/2010/main" Requires="p14">
+  <mc:AlternateContent xmlns:mc="http://schemas.openxmlformats.org/markup-compatibility/2006" xmlns:p14="http://schemas.microsoft.com/office/powerpoint/2010/main">
+    <mc:Choice Requires="p14">
       <p:timing>
         <p:tnLst>
           <p:par>
@@ -19418,7 +21439,7 @@
         </p:bldLst>
       </p:timing>
     </mc:Choice>
-    <mc:Fallback>
+    <mc:Fallback xmlns="">
       <p:timing>
         <p:tnLst>
           <p:par>
@@ -23624,8 +25645,8 @@
   <p:clrMapOvr>
     <a:masterClrMapping/>
   </p:clrMapOvr>
-  <mc:AlternateContent xmlns:mc="http://schemas.openxmlformats.org/markup-compatibility/2006">
-    <mc:Choice xmlns:p14="http://schemas.microsoft.com/office/powerpoint/2010/main" Requires="p14">
+  <mc:AlternateContent xmlns:mc="http://schemas.openxmlformats.org/markup-compatibility/2006" xmlns:p14="http://schemas.microsoft.com/office/powerpoint/2010/main">
+    <mc:Choice Requires="p14">
       <p:timing>
         <p:tnLst>
           <p:par>
@@ -23930,7 +25951,7 @@
         </p:tnLst>
       </p:timing>
     </mc:Choice>
-    <mc:Fallback>
+    <mc:Fallback xmlns="">
       <p:timing>
         <p:tnLst>
           <p:par>
